--- a/LACREI INSIGHTS.pptx
+++ b/LACREI INSIGHTS.pptx
@@ -118,6 +118,11 @@
       </a:defRPr>
     </a:lvl9pPr>
   </p:defaultTextStyle>
+  <p:extLst>
+    <p:ext uri="{EFAFB233-063F-42B5-8137-9DF3F51BA10A}">
+      <p15:sldGuideLst xmlns:p15="http://schemas.microsoft.com/office/powerpoint/2012/main"/>
+    </p:ext>
+  </p:extLst>
 </p:presentation>
 </file>
 
@@ -268,7 +273,7 @@
           <a:p>
             <a:fld id="{66996242-6DD3-4D54-A525-423EBBB8B2C3}" type="datetimeFigureOut">
               <a:rPr lang="pt-BR" smtClean="0"/>
-              <a:t>29/11/2025</a:t>
+              <a:t>30/11/2025</a:t>
             </a:fld>
             <a:endParaRPr lang="pt-BR"/>
           </a:p>
@@ -466,7 +471,7 @@
           <a:p>
             <a:fld id="{66996242-6DD3-4D54-A525-423EBBB8B2C3}" type="datetimeFigureOut">
               <a:rPr lang="pt-BR" smtClean="0"/>
-              <a:t>29/11/2025</a:t>
+              <a:t>30/11/2025</a:t>
             </a:fld>
             <a:endParaRPr lang="pt-BR"/>
           </a:p>
@@ -674,7 +679,7 @@
           <a:p>
             <a:fld id="{66996242-6DD3-4D54-A525-423EBBB8B2C3}" type="datetimeFigureOut">
               <a:rPr lang="pt-BR" smtClean="0"/>
-              <a:t>29/11/2025</a:t>
+              <a:t>30/11/2025</a:t>
             </a:fld>
             <a:endParaRPr lang="pt-BR"/>
           </a:p>
@@ -872,7 +877,7 @@
           <a:p>
             <a:fld id="{66996242-6DD3-4D54-A525-423EBBB8B2C3}" type="datetimeFigureOut">
               <a:rPr lang="pt-BR" smtClean="0"/>
-              <a:t>29/11/2025</a:t>
+              <a:t>30/11/2025</a:t>
             </a:fld>
             <a:endParaRPr lang="pt-BR"/>
           </a:p>
@@ -1147,7 +1152,7 @@
           <a:p>
             <a:fld id="{66996242-6DD3-4D54-A525-423EBBB8B2C3}" type="datetimeFigureOut">
               <a:rPr lang="pt-BR" smtClean="0"/>
-              <a:t>29/11/2025</a:t>
+              <a:t>30/11/2025</a:t>
             </a:fld>
             <a:endParaRPr lang="pt-BR"/>
           </a:p>
@@ -1412,7 +1417,7 @@
           <a:p>
             <a:fld id="{66996242-6DD3-4D54-A525-423EBBB8B2C3}" type="datetimeFigureOut">
               <a:rPr lang="pt-BR" smtClean="0"/>
-              <a:t>29/11/2025</a:t>
+              <a:t>30/11/2025</a:t>
             </a:fld>
             <a:endParaRPr lang="pt-BR"/>
           </a:p>
@@ -1824,7 +1829,7 @@
           <a:p>
             <a:fld id="{66996242-6DD3-4D54-A525-423EBBB8B2C3}" type="datetimeFigureOut">
               <a:rPr lang="pt-BR" smtClean="0"/>
-              <a:t>29/11/2025</a:t>
+              <a:t>30/11/2025</a:t>
             </a:fld>
             <a:endParaRPr lang="pt-BR"/>
           </a:p>
@@ -1965,7 +1970,7 @@
           <a:p>
             <a:fld id="{66996242-6DD3-4D54-A525-423EBBB8B2C3}" type="datetimeFigureOut">
               <a:rPr lang="pt-BR" smtClean="0"/>
-              <a:t>29/11/2025</a:t>
+              <a:t>30/11/2025</a:t>
             </a:fld>
             <a:endParaRPr lang="pt-BR"/>
           </a:p>
@@ -2078,7 +2083,7 @@
           <a:p>
             <a:fld id="{66996242-6DD3-4D54-A525-423EBBB8B2C3}" type="datetimeFigureOut">
               <a:rPr lang="pt-BR" smtClean="0"/>
-              <a:t>29/11/2025</a:t>
+              <a:t>30/11/2025</a:t>
             </a:fld>
             <a:endParaRPr lang="pt-BR"/>
           </a:p>
@@ -2389,7 +2394,7 @@
           <a:p>
             <a:fld id="{66996242-6DD3-4D54-A525-423EBBB8B2C3}" type="datetimeFigureOut">
               <a:rPr lang="pt-BR" smtClean="0"/>
-              <a:t>29/11/2025</a:t>
+              <a:t>30/11/2025</a:t>
             </a:fld>
             <a:endParaRPr lang="pt-BR"/>
           </a:p>
@@ -2677,7 +2682,7 @@
           <a:p>
             <a:fld id="{66996242-6DD3-4D54-A525-423EBBB8B2C3}" type="datetimeFigureOut">
               <a:rPr lang="pt-BR" smtClean="0"/>
-              <a:t>29/11/2025</a:t>
+              <a:t>30/11/2025</a:t>
             </a:fld>
             <a:endParaRPr lang="pt-BR"/>
           </a:p>
@@ -2933,7 +2938,7 @@
           <a:p>
             <a:fld id="{66996242-6DD3-4D54-A525-423EBBB8B2C3}" type="datetimeFigureOut">
               <a:rPr lang="pt-BR" smtClean="0"/>
-              <a:t>29/11/2025</a:t>
+              <a:t>30/11/2025</a:t>
             </a:fld>
             <a:endParaRPr lang="pt-BR"/>
           </a:p>
@@ -4303,49 +4308,32 @@
       </p:sp>
       <p:pic>
         <p:nvPicPr>
-          <p:cNvPr id="4098" name="Picture 2">
-            <a:extLst>
-              <a:ext uri="{FF2B5EF4-FFF2-40B4-BE49-F238E27FC236}">
-                <a16:creationId xmlns:a16="http://schemas.microsoft.com/office/drawing/2014/main" id="{FDA9C7DB-B4C4-0875-9C49-5A83600CED5A}"/>
+          <p:cNvPr id="4" name="Imagem 3">
+            <a:extLst>
+              <a:ext uri="{FF2B5EF4-FFF2-40B4-BE49-F238E27FC236}">
+                <a16:creationId xmlns:a16="http://schemas.microsoft.com/office/drawing/2014/main" id="{3DE7D344-7B0A-D10B-6B72-AD40F90355F0}"/>
               </a:ext>
             </a:extLst>
           </p:cNvPr>
           <p:cNvPicPr>
-            <a:picLocks noChangeAspect="1" noChangeArrowheads="1"/>
+            <a:picLocks noChangeAspect="1"/>
           </p:cNvPicPr>
           <p:nvPr/>
         </p:nvPicPr>
         <p:blipFill>
-          <a:blip r:embed="rId2">
-            <a:extLst>
-              <a:ext uri="{28A0092B-C50C-407E-A947-70E740481C1C}">
-                <a14:useLocalDpi xmlns:a14="http://schemas.microsoft.com/office/drawing/2010/main" val="0"/>
-              </a:ext>
-            </a:extLst>
-          </a:blip>
-          <a:srcRect/>
+          <a:blip r:embed="rId2"/>
           <a:stretch>
             <a:fillRect/>
           </a:stretch>
         </p:blipFill>
-        <p:spPr bwMode="auto">
+        <p:spPr>
           <a:xfrm>
-            <a:off x="764636" y="1084082"/>
-            <a:ext cx="10662727" cy="5340766"/>
+            <a:off x="605790" y="1185713"/>
+            <a:ext cx="11220450" cy="5137504"/>
           </a:xfrm>
           <a:prstGeom prst="rect">
             <a:avLst/>
           </a:prstGeom>
-          <a:noFill/>
-          <a:extLst>
-            <a:ext uri="{909E8E84-426E-40DD-AFC4-6F175D3DCCD1}">
-              <a14:hiddenFill xmlns:a14="http://schemas.microsoft.com/office/drawing/2010/main">
-                <a:solidFill>
-                  <a:srgbClr val="FFFFFF"/>
-                </a:solidFill>
-              </a14:hiddenFill>
-            </a:ext>
-          </a:extLst>
         </p:spPr>
       </p:pic>
     </p:spTree>
@@ -4428,49 +4416,32 @@
       </p:sp>
       <p:pic>
         <p:nvPicPr>
-          <p:cNvPr id="5124" name="Picture 4">
-            <a:extLst>
-              <a:ext uri="{FF2B5EF4-FFF2-40B4-BE49-F238E27FC236}">
-                <a16:creationId xmlns:a16="http://schemas.microsoft.com/office/drawing/2014/main" id="{AFFD6907-2701-B24F-1FEC-7464830938BF}"/>
+          <p:cNvPr id="4" name="Imagem 3">
+            <a:extLst>
+              <a:ext uri="{FF2B5EF4-FFF2-40B4-BE49-F238E27FC236}">
+                <a16:creationId xmlns:a16="http://schemas.microsoft.com/office/drawing/2014/main" id="{06D12854-97B4-263D-F1FD-6E9637564FFF}"/>
               </a:ext>
             </a:extLst>
           </p:cNvPr>
           <p:cNvPicPr>
-            <a:picLocks noChangeAspect="1" noChangeArrowheads="1"/>
+            <a:picLocks noChangeAspect="1"/>
           </p:cNvPicPr>
           <p:nvPr/>
         </p:nvPicPr>
         <p:blipFill>
-          <a:blip r:embed="rId2">
-            <a:extLst>
-              <a:ext uri="{28A0092B-C50C-407E-A947-70E740481C1C}">
-                <a14:useLocalDpi xmlns:a14="http://schemas.microsoft.com/office/drawing/2010/main" val="0"/>
-              </a:ext>
-            </a:extLst>
-          </a:blip>
-          <a:srcRect/>
+          <a:blip r:embed="rId2"/>
           <a:stretch>
             <a:fillRect/>
           </a:stretch>
         </p:blipFill>
-        <p:spPr bwMode="auto">
+        <p:spPr>
           <a:xfrm>
-            <a:off x="586466" y="1084082"/>
-            <a:ext cx="11019067" cy="5499817"/>
+            <a:off x="419100" y="1264059"/>
+            <a:ext cx="11353800" cy="5119295"/>
           </a:xfrm>
           <a:prstGeom prst="rect">
             <a:avLst/>
           </a:prstGeom>
-          <a:noFill/>
-          <a:extLst>
-            <a:ext uri="{909E8E84-426E-40DD-AFC4-6F175D3DCCD1}">
-              <a14:hiddenFill xmlns:a14="http://schemas.microsoft.com/office/drawing/2010/main">
-                <a:solidFill>
-                  <a:srgbClr val="FFFFFF"/>
-                </a:solidFill>
-              </a14:hiddenFill>
-            </a:ext>
-          </a:extLst>
         </p:spPr>
       </p:pic>
     </p:spTree>
